--- a/streamlit_presentation/template.pptx
+++ b/streamlit_presentation/template.pptx
@@ -22572,54 +22572,6 @@
       </p:sp>
       <p:sp>
         <p:nvSpPr>
-          <p:cNvPr id="2" name="TextBox 1">
-            <a:extLst>
-              <a:ext uri="{FF2B5EF4-FFF2-40B4-BE49-F238E27FC236}">
-                <a16:creationId xmlns:a16="http://schemas.microsoft.com/office/drawing/2014/main" id="{A2A26FBA-8C9B-66B7-2247-3E1F1C917365}"/>
-              </a:ext>
-            </a:extLst>
-          </p:cNvPr>
-          <p:cNvSpPr txBox="1"/>
-          <p:nvPr/>
-        </p:nvSpPr>
-        <p:spPr>
-          <a:xfrm>
-            <a:off x="968169" y="6513256"/>
-            <a:ext cx="3686124" cy="276999"/>
-          </a:xfrm>
-          <a:prstGeom prst="rect">
-            <a:avLst/>
-          </a:prstGeom>
-          <a:noFill/>
-        </p:spPr>
-        <p:txBody>
-          <a:bodyPr wrap="square" rtlCol="0">
-            <a:spAutoFit/>
-          </a:bodyPr>
-          <a:lstStyle/>
-          <a:p>
-            <a:r>
-              <a:rPr lang="en-US" sz="1200" dirty="0"/>
-              <a:t>Source: Yahoo Finance, </a:t>
-            </a:r>
-            <a:r>
-              <a:rPr lang="en-US" sz="1200" dirty="0">
-                <a:hlinkClick r:id="rId3"/>
-              </a:rPr>
-              <a:t>Logos provided by </a:t>
-            </a:r>
-            <a:r>
-              <a:rPr lang="en-US" sz="1200" dirty="0" err="1">
-                <a:hlinkClick r:id="rId3"/>
-              </a:rPr>
-              <a:t>Clearbit</a:t>
-            </a:r>
-            <a:endParaRPr lang="en-US" sz="1200" dirty="0"/>
-          </a:p>
-        </p:txBody>
-      </p:sp>
-      <p:sp>
-        <p:nvSpPr>
           <p:cNvPr id="3" name="TextBox 7">
             <a:extLst>
               <a:ext uri="{FF2B5EF4-FFF2-40B4-BE49-F238E27FC236}">
@@ -22649,6 +22601,41 @@
             <a:r>
               <a:rPr lang="en-US" sz="1200" dirty="0"/>
               <a:t>Main Features: {f}</a:t>
+            </a:r>
+          </a:p>
+        </p:txBody>
+      </p:sp>
+      <p:sp>
+        <p:nvSpPr>
+          <p:cNvPr id="4" name="TextBox 1">
+            <a:extLst>
+              <a:ext uri="{FF2B5EF4-FFF2-40B4-BE49-F238E27FC236}">
+                <a16:creationId xmlns:a16="http://schemas.microsoft.com/office/drawing/2014/main" id="{3B04A144-1DA2-B7B1-D1B2-E2FC5E76CD8C}"/>
+              </a:ext>
+            </a:extLst>
+          </p:cNvPr>
+          <p:cNvSpPr txBox="1"/>
+          <p:nvPr/>
+        </p:nvSpPr>
+        <p:spPr>
+          <a:xfrm>
+            <a:off x="968168" y="6513256"/>
+            <a:ext cx="4997626" cy="276999"/>
+          </a:xfrm>
+          <a:prstGeom prst="rect">
+            <a:avLst/>
+          </a:prstGeom>
+          <a:noFill/>
+        </p:spPr>
+        <p:txBody>
+          <a:bodyPr wrap="square" rtlCol="0">
+            <a:spAutoFit/>
+          </a:bodyPr>
+          <a:lstStyle/>
+          <a:p>
+            <a:r>
+              <a:rPr lang="en-US" sz="1200" dirty="0"/>
+              <a:t>Source: GPT 4</a:t>
             </a:r>
           </a:p>
         </p:txBody>
